--- a/1.1. ANADEC 202610 - Costo de Oportunidad _S04.pptx
+++ b/1.1. ANADEC 202610 - Costo de Oportunidad _S04.pptx
@@ -160,9 +160,185 @@
 <file path=ppt/revisionInfo.xml><?xml version="1.0" encoding="utf-8"?>
 <p1510:revInfo xmlns:a="http://schemas.openxmlformats.org/drawingml/2006/main" xmlns:r="http://schemas.openxmlformats.org/officeDocument/2006/relationships" xmlns:p1510="http://schemas.microsoft.com/office/powerpoint/2015/10/main">
   <p1510:revLst>
-    <p1510:client id="{74C69DC4-88EF-FF4D-B714-7853276D8572}" v="10" dt="2026-01-22T18:16:47.566"/>
+    <p1510:client id="{48C4C64A-51E1-3D42-8BE3-EC7400F6DFB2}" v="12" dt="2026-01-26T16:38:49.155"/>
   </p1510:revLst>
 </p1510:revInfo>
+</file>
+
+<file path=ppt/changesInfos/changesInfo1.xml><?xml version="1.0" encoding="utf-8"?>
+<pc:chgInfo xmlns:a="http://schemas.openxmlformats.org/drawingml/2006/main" xmlns:r="http://schemas.openxmlformats.org/officeDocument/2006/relationships" xmlns:ac="http://schemas.microsoft.com/office/drawing/2013/main/command" xmlns:pc="http://schemas.microsoft.com/office/powerpoint/2013/main/command">
+  <pc:docChgLst>
+    <pc:chgData name="Brigitte Castañeda Rodriguez" userId="5c201908-82f6-498c-9281-7eaa96fb17b4" providerId="ADAL" clId="{48C4C64A-51E1-3D42-8BE3-EC7400F6DFB2}"/>
+    <pc:docChg chg="undo custSel addSld delSld modSld">
+      <pc:chgData name="Brigitte Castañeda Rodriguez" userId="5c201908-82f6-498c-9281-7eaa96fb17b4" providerId="ADAL" clId="{48C4C64A-51E1-3D42-8BE3-EC7400F6DFB2}" dt="2026-01-26T16:39:01.137" v="45" actId="1076"/>
+      <pc:docMkLst>
+        <pc:docMk/>
+      </pc:docMkLst>
+      <pc:sldChg chg="addSp delSp modSp mod">
+        <pc:chgData name="Brigitte Castañeda Rodriguez" userId="5c201908-82f6-498c-9281-7eaa96fb17b4" providerId="ADAL" clId="{48C4C64A-51E1-3D42-8BE3-EC7400F6DFB2}" dt="2026-01-26T16:38:12.944" v="33" actId="1076"/>
+        <pc:sldMkLst>
+          <pc:docMk/>
+          <pc:sldMk cId="3424180887" sldId="438"/>
+        </pc:sldMkLst>
+        <pc:picChg chg="add del mod">
+          <ac:chgData name="Brigitte Castañeda Rodriguez" userId="5c201908-82f6-498c-9281-7eaa96fb17b4" providerId="ADAL" clId="{48C4C64A-51E1-3D42-8BE3-EC7400F6DFB2}" dt="2026-01-26T16:38:12.944" v="33" actId="1076"/>
+          <ac:picMkLst>
+            <pc:docMk/>
+            <pc:sldMk cId="3424180887" sldId="438"/>
+            <ac:picMk id="6" creationId="{80D43D6F-6C50-4686-32E0-E0B95F132155}"/>
+          </ac:picMkLst>
+        </pc:picChg>
+        <pc:picChg chg="del">
+          <ac:chgData name="Brigitte Castañeda Rodriguez" userId="5c201908-82f6-498c-9281-7eaa96fb17b4" providerId="ADAL" clId="{48C4C64A-51E1-3D42-8BE3-EC7400F6DFB2}" dt="2026-01-26T16:38:11.563" v="32" actId="478"/>
+          <ac:picMkLst>
+            <pc:docMk/>
+            <pc:sldMk cId="3424180887" sldId="438"/>
+            <ac:picMk id="14" creationId="{D6B6DC96-C34F-1D37-DCF2-905DDD4DA615}"/>
+          </ac:picMkLst>
+        </pc:picChg>
+        <pc:picChg chg="del">
+          <ac:chgData name="Brigitte Castañeda Rodriguez" userId="5c201908-82f6-498c-9281-7eaa96fb17b4" providerId="ADAL" clId="{48C4C64A-51E1-3D42-8BE3-EC7400F6DFB2}" dt="2026-01-26T16:37:39.877" v="23" actId="478"/>
+          <ac:picMkLst>
+            <pc:docMk/>
+            <pc:sldMk cId="3424180887" sldId="438"/>
+            <ac:picMk id="13314" creationId="{7EEFDCFB-0FF9-1D1A-5003-4B3206C00760}"/>
+          </ac:picMkLst>
+        </pc:picChg>
+      </pc:sldChg>
+      <pc:sldChg chg="addSp delSp modSp mod">
+        <pc:chgData name="Brigitte Castañeda Rodriguez" userId="5c201908-82f6-498c-9281-7eaa96fb17b4" providerId="ADAL" clId="{48C4C64A-51E1-3D42-8BE3-EC7400F6DFB2}" dt="2026-01-26T16:38:08.051" v="30" actId="1076"/>
+        <pc:sldMkLst>
+          <pc:docMk/>
+          <pc:sldMk cId="726153313" sldId="454"/>
+        </pc:sldMkLst>
+        <pc:picChg chg="add mod">
+          <ac:chgData name="Brigitte Castañeda Rodriguez" userId="5c201908-82f6-498c-9281-7eaa96fb17b4" providerId="ADAL" clId="{48C4C64A-51E1-3D42-8BE3-EC7400F6DFB2}" dt="2026-01-26T16:38:08.051" v="30" actId="1076"/>
+          <ac:picMkLst>
+            <pc:docMk/>
+            <pc:sldMk cId="726153313" sldId="454"/>
+            <ac:picMk id="6" creationId="{A4EAC937-92D6-9BC4-8C82-053FAA0551F7}"/>
+          </ac:picMkLst>
+        </pc:picChg>
+        <pc:picChg chg="del">
+          <ac:chgData name="Brigitte Castañeda Rodriguez" userId="5c201908-82f6-498c-9281-7eaa96fb17b4" providerId="ADAL" clId="{48C4C64A-51E1-3D42-8BE3-EC7400F6DFB2}" dt="2026-01-26T16:38:03.476" v="26" actId="478"/>
+          <ac:picMkLst>
+            <pc:docMk/>
+            <pc:sldMk cId="726153313" sldId="454"/>
+            <ac:picMk id="7" creationId="{B3CFF034-4BCF-F732-3354-AA701DC98F11}"/>
+          </ac:picMkLst>
+        </pc:picChg>
+        <pc:picChg chg="del">
+          <ac:chgData name="Brigitte Castañeda Rodriguez" userId="5c201908-82f6-498c-9281-7eaa96fb17b4" providerId="ADAL" clId="{48C4C64A-51E1-3D42-8BE3-EC7400F6DFB2}" dt="2026-01-26T16:38:01.994" v="25" actId="478"/>
+          <ac:picMkLst>
+            <pc:docMk/>
+            <pc:sldMk cId="726153313" sldId="454"/>
+            <ac:picMk id="14338" creationId="{C8633A87-1E80-2602-9367-810C1CA853E0}"/>
+          </ac:picMkLst>
+        </pc:picChg>
+      </pc:sldChg>
+      <pc:sldChg chg="addSp delSp modSp mod">
+        <pc:chgData name="Brigitte Castañeda Rodriguez" userId="5c201908-82f6-498c-9281-7eaa96fb17b4" providerId="ADAL" clId="{48C4C64A-51E1-3D42-8BE3-EC7400F6DFB2}" dt="2026-01-26T16:38:33.191" v="39" actId="1076"/>
+        <pc:sldMkLst>
+          <pc:docMk/>
+          <pc:sldMk cId="3694344773" sldId="455"/>
+        </pc:sldMkLst>
+        <pc:picChg chg="add mod">
+          <ac:chgData name="Brigitte Castañeda Rodriguez" userId="5c201908-82f6-498c-9281-7eaa96fb17b4" providerId="ADAL" clId="{48C4C64A-51E1-3D42-8BE3-EC7400F6DFB2}" dt="2026-01-26T16:38:33.191" v="39" actId="1076"/>
+          <ac:picMkLst>
+            <pc:docMk/>
+            <pc:sldMk cId="3694344773" sldId="455"/>
+            <ac:picMk id="3" creationId="{288901B6-4335-4AE8-E794-9A69935E02B6}"/>
+          </ac:picMkLst>
+        </pc:picChg>
+        <pc:picChg chg="del">
+          <ac:chgData name="Brigitte Castañeda Rodriguez" userId="5c201908-82f6-498c-9281-7eaa96fb17b4" providerId="ADAL" clId="{48C4C64A-51E1-3D42-8BE3-EC7400F6DFB2}" dt="2026-01-26T16:38:16.819" v="34" actId="478"/>
+          <ac:picMkLst>
+            <pc:docMk/>
+            <pc:sldMk cId="3694344773" sldId="455"/>
+            <ac:picMk id="10" creationId="{A09F5143-ABB7-AB0F-A272-C16B7F947B8D}"/>
+          </ac:picMkLst>
+        </pc:picChg>
+        <pc:picChg chg="del">
+          <ac:chgData name="Brigitte Castañeda Rodriguez" userId="5c201908-82f6-498c-9281-7eaa96fb17b4" providerId="ADAL" clId="{48C4C64A-51E1-3D42-8BE3-EC7400F6DFB2}" dt="2026-01-26T16:38:18.029" v="35" actId="478"/>
+          <ac:picMkLst>
+            <pc:docMk/>
+            <pc:sldMk cId="3694344773" sldId="455"/>
+            <ac:picMk id="15362" creationId="{311F784E-0A82-EEBA-69A2-92CAF2CA8FD9}"/>
+          </ac:picMkLst>
+        </pc:picChg>
+      </pc:sldChg>
+      <pc:sldChg chg="addSp delSp modSp mod">
+        <pc:chgData name="Brigitte Castañeda Rodriguez" userId="5c201908-82f6-498c-9281-7eaa96fb17b4" providerId="ADAL" clId="{48C4C64A-51E1-3D42-8BE3-EC7400F6DFB2}" dt="2026-01-26T16:37:29.121" v="18" actId="1076"/>
+        <pc:sldMkLst>
+          <pc:docMk/>
+          <pc:sldMk cId="1367693967" sldId="460"/>
+        </pc:sldMkLst>
+        <pc:picChg chg="add mod">
+          <ac:chgData name="Brigitte Castañeda Rodriguez" userId="5c201908-82f6-498c-9281-7eaa96fb17b4" providerId="ADAL" clId="{48C4C64A-51E1-3D42-8BE3-EC7400F6DFB2}" dt="2026-01-26T16:37:26.294" v="15" actId="1076"/>
+          <ac:picMkLst>
+            <pc:docMk/>
+            <pc:sldMk cId="1367693967" sldId="460"/>
+            <ac:picMk id="7" creationId="{EFD6DE7F-9DFE-AE54-959A-8E31A8B2D0A2}"/>
+          </ac:picMkLst>
+        </pc:picChg>
+        <pc:picChg chg="mod">
+          <ac:chgData name="Brigitte Castañeda Rodriguez" userId="5c201908-82f6-498c-9281-7eaa96fb17b4" providerId="ADAL" clId="{48C4C64A-51E1-3D42-8BE3-EC7400F6DFB2}" dt="2026-01-26T16:37:29.121" v="18" actId="1076"/>
+          <ac:picMkLst>
+            <pc:docMk/>
+            <pc:sldMk cId="1367693967" sldId="460"/>
+            <ac:picMk id="14" creationId="{A08E248D-D3AD-96EE-30F6-0F68EF5DA7F0}"/>
+          </ac:picMkLst>
+        </pc:picChg>
+        <pc:picChg chg="add del">
+          <ac:chgData name="Brigitte Castañeda Rodriguez" userId="5c201908-82f6-498c-9281-7eaa96fb17b4" providerId="ADAL" clId="{48C4C64A-51E1-3D42-8BE3-EC7400F6DFB2}" dt="2026-01-26T16:37:27.822" v="17" actId="478"/>
+          <ac:picMkLst>
+            <pc:docMk/>
+            <pc:sldMk cId="1367693967" sldId="460"/>
+            <ac:picMk id="13314" creationId="{0F82B46D-55CA-FAD2-DF54-763091CA0D37}"/>
+          </ac:picMkLst>
+        </pc:picChg>
+      </pc:sldChg>
+      <pc:sldChg chg="addSp delSp modSp mod">
+        <pc:chgData name="Brigitte Castañeda Rodriguez" userId="5c201908-82f6-498c-9281-7eaa96fb17b4" providerId="ADAL" clId="{48C4C64A-51E1-3D42-8BE3-EC7400F6DFB2}" dt="2026-01-26T16:39:01.137" v="45" actId="1076"/>
+        <pc:sldMkLst>
+          <pc:docMk/>
+          <pc:sldMk cId="3290960603" sldId="463"/>
+        </pc:sldMkLst>
+        <pc:picChg chg="add mod">
+          <ac:chgData name="Brigitte Castañeda Rodriguez" userId="5c201908-82f6-498c-9281-7eaa96fb17b4" providerId="ADAL" clId="{48C4C64A-51E1-3D42-8BE3-EC7400F6DFB2}" dt="2026-01-26T16:39:01.137" v="45" actId="1076"/>
+          <ac:picMkLst>
+            <pc:docMk/>
+            <pc:sldMk cId="3290960603" sldId="463"/>
+            <ac:picMk id="6" creationId="{ADABC0B7-7FB6-2A5D-C2FE-70509E5E8118}"/>
+          </ac:picMkLst>
+        </pc:picChg>
+        <pc:picChg chg="del">
+          <ac:chgData name="Brigitte Castañeda Rodriguez" userId="5c201908-82f6-498c-9281-7eaa96fb17b4" providerId="ADAL" clId="{48C4C64A-51E1-3D42-8BE3-EC7400F6DFB2}" dt="2026-01-26T16:38:36.008" v="40" actId="478"/>
+          <ac:picMkLst>
+            <pc:docMk/>
+            <pc:sldMk cId="3290960603" sldId="463"/>
+            <ac:picMk id="11" creationId="{B26D30F7-519E-FF11-B346-75285E190BD0}"/>
+          </ac:picMkLst>
+        </pc:picChg>
+        <pc:picChg chg="del">
+          <ac:chgData name="Brigitte Castañeda Rodriguez" userId="5c201908-82f6-498c-9281-7eaa96fb17b4" providerId="ADAL" clId="{48C4C64A-51E1-3D42-8BE3-EC7400F6DFB2}" dt="2026-01-26T16:38:37.962" v="41" actId="478"/>
+          <ac:picMkLst>
+            <pc:docMk/>
+            <pc:sldMk cId="3290960603" sldId="463"/>
+            <ac:picMk id="16386" creationId="{0929A0FB-5699-52BD-2786-E2DAD3C76023}"/>
+          </ac:picMkLst>
+        </pc:picChg>
+      </pc:sldChg>
+      <pc:sldChg chg="add del">
+        <pc:chgData name="Brigitte Castañeda Rodriguez" userId="5c201908-82f6-498c-9281-7eaa96fb17b4" providerId="ADAL" clId="{48C4C64A-51E1-3D42-8BE3-EC7400F6DFB2}" dt="2026-01-26T16:36:15.149" v="1" actId="2696"/>
+        <pc:sldMkLst>
+          <pc:docMk/>
+          <pc:sldMk cId="3566548561" sldId="466"/>
+        </pc:sldMkLst>
+      </pc:sldChg>
+    </pc:docChg>
+  </pc:docChgLst>
+</pc:chgInfo>
 </file>
 
 <file path=ppt/handoutMasters/handoutMaster1.xml><?xml version="1.0" encoding="utf-8"?>
@@ -262,7 +438,7 @@
           <a:p>
             <a:fld id="{21EBC9B1-33DC-462F-829C-1E37E99682B9}" type="datetimeFigureOut">
               <a:rPr lang="es-CO" smtClean="0"/>
-              <a:t>22/01/26</a:t>
+              <a:t>26/01/26</a:t>
             </a:fld>
             <a:endParaRPr lang="es-CO"/>
           </a:p>
@@ -443,7 +619,7 @@
           <a:p>
             <a:fld id="{C2BED2E0-4743-4E03-93B8-12386FF60236}" type="datetimeFigureOut">
               <a:rPr lang="es-CO" smtClean="0"/>
-              <a:t>22/01/26</a:t>
+              <a:t>26/01/26</a:t>
             </a:fld>
             <a:endParaRPr lang="es-CO"/>
           </a:p>
@@ -1778,7 +1954,7 @@
           <a:p>
             <a:fld id="{9AFD365D-553E-437E-906F-693C2E6CE28D}" type="datetime1">
               <a:rPr lang="en-US" smtClean="0"/>
-              <a:t>1/22/26</a:t>
+              <a:t>1/26/26</a:t>
             </a:fld>
             <a:endParaRPr lang="en-US"/>
           </a:p>
@@ -2041,7 +2217,7 @@
           <a:p>
             <a:fld id="{5326DF8C-FC0D-41BB-BB53-20BBB44E4230}" type="datetime1">
               <a:rPr lang="en-US" smtClean="0"/>
-              <a:t>1/22/26</a:t>
+              <a:t>1/26/26</a:t>
             </a:fld>
             <a:endParaRPr lang="en-US"/>
           </a:p>
@@ -2277,7 +2453,7 @@
           <a:p>
             <a:fld id="{D119C4A7-5D51-4E42-9C0C-1785329211C5}" type="datetime1">
               <a:rPr lang="en-US" smtClean="0"/>
-              <a:t>1/22/26</a:t>
+              <a:t>1/26/26</a:t>
             </a:fld>
             <a:endParaRPr lang="en-US"/>
           </a:p>
@@ -2525,7 +2701,7 @@
           <a:p>
             <a:fld id="{A523018D-1CC0-468E-BE3B-579A148A0691}" type="datetime1">
               <a:rPr lang="en-US" smtClean="0"/>
-              <a:t>1/22/26</a:t>
+              <a:t>1/26/26</a:t>
             </a:fld>
             <a:endParaRPr lang="en-US"/>
           </a:p>
@@ -2833,7 +3009,7 @@
           <a:p>
             <a:fld id="{CE7F702F-46BE-40AA-9A05-7C69E0403EE7}" type="datetime1">
               <a:rPr lang="en-US" smtClean="0"/>
-              <a:t>1/22/26</a:t>
+              <a:t>1/26/26</a:t>
             </a:fld>
             <a:endParaRPr lang="en-US"/>
           </a:p>
@@ -3136,7 +3312,7 @@
           <a:p>
             <a:fld id="{C51F0D08-E4F7-43DB-810A-34BADF6468F7}" type="datetime1">
               <a:rPr lang="en-US" smtClean="0"/>
-              <a:t>1/22/26</a:t>
+              <a:t>1/26/26</a:t>
             </a:fld>
             <a:endParaRPr lang="en-US"/>
           </a:p>
@@ -3559,7 +3735,7 @@
           <a:p>
             <a:fld id="{ADFE1DAC-EC09-4DEA-BBB4-788DDBA09515}" type="datetime1">
               <a:rPr lang="en-US" smtClean="0"/>
-              <a:t>1/22/26</a:t>
+              <a:t>1/26/26</a:t>
             </a:fld>
             <a:endParaRPr lang="en-US"/>
           </a:p>
@@ -3722,7 +3898,7 @@
           <a:p>
             <a:fld id="{A9BFF582-E74C-4A8A-87B2-214B0CF47F99}" type="datetime1">
               <a:rPr lang="en-US" smtClean="0"/>
-              <a:t>1/22/26</a:t>
+              <a:t>1/26/26</a:t>
             </a:fld>
             <a:endParaRPr lang="en-US"/>
           </a:p>
@@ -3818,7 +3994,7 @@
           <a:p>
             <a:fld id="{53FC8AEA-E303-4B9D-B167-0A45CB59E0C2}" type="datetime1">
               <a:rPr lang="en-US" smtClean="0"/>
-              <a:t>1/22/26</a:t>
+              <a:t>1/26/26</a:t>
             </a:fld>
             <a:endParaRPr lang="en-US"/>
           </a:p>
@@ -4197,7 +4373,7 @@
           <a:p>
             <a:fld id="{7EBE2AAB-C9FD-4A72-8C62-A7C81FA189B4}" type="datetime1">
               <a:rPr lang="en-US" smtClean="0"/>
-              <a:t>1/22/26</a:t>
+              <a:t>1/26/26</a:t>
             </a:fld>
             <a:endParaRPr lang="en-US"/>
           </a:p>
@@ -4487,7 +4663,7 @@
           <a:p>
             <a:fld id="{F4D9D4CC-5FC5-4711-9ACC-A7971700D612}" type="datetime1">
               <a:rPr lang="en-US" smtClean="0"/>
-              <a:t>1/22/26</a:t>
+              <a:t>1/26/26</a:t>
             </a:fld>
             <a:endParaRPr lang="en-US"/>
           </a:p>
@@ -4699,7 +4875,7 @@
           <a:p>
             <a:fld id="{D8027E5A-4482-46C4-A2DC-45BEF00C1E0A}" type="datetime1">
               <a:rPr lang="en-US" smtClean="0"/>
-              <a:t>1/22/26</a:t>
+              <a:t>1/26/26</a:t>
             </a:fld>
             <a:endParaRPr lang="en-US"/>
           </a:p>
@@ -10769,12 +10945,75 @@
           </a:extLst>
         </p:spPr>
       </p:pic>
+      <p:sp>
+        <p:nvSpPr>
+          <p:cNvPr id="3" name="Rectángulo 2">
+            <a:extLst>
+              <a:ext uri="{FF2B5EF4-FFF2-40B4-BE49-F238E27FC236}">
+                <a16:creationId xmlns:a16="http://schemas.microsoft.com/office/drawing/2014/main" id="{1091580A-6AF1-26BC-CBE1-8BBFE7CBDA77}"/>
+              </a:ext>
+            </a:extLst>
+          </p:cNvPr>
+          <p:cNvSpPr/>
+          <p:nvPr/>
+        </p:nvSpPr>
+        <p:spPr>
+          <a:xfrm>
+            <a:off x="8399257" y="118110"/>
+            <a:ext cx="3150778" cy="261610"/>
+          </a:xfrm>
+          <a:prstGeom prst="rect">
+            <a:avLst/>
+          </a:prstGeom>
+        </p:spPr>
+        <p:txBody>
+          <a:bodyPr wrap="square">
+            <a:spAutoFit/>
+          </a:bodyPr>
+          <a:lstStyle/>
+          <a:p>
+            <a:pPr algn="r"/>
+            <a:r>
+              <a:rPr lang="es-CO" sz="1100" b="1">
+                <a:solidFill>
+                  <a:schemeClr val="accent2">
+                    <a:lumMod val="50000"/>
+                  </a:schemeClr>
+                </a:solidFill>
+                <a:latin typeface="Century Gothic" panose="020B0502020202020204" pitchFamily="34" charset="0"/>
+                <a:sym typeface="Gill Sans Light"/>
+              </a:rPr>
+              <a:t>Curso</a:t>
+            </a:r>
+            <a:r>
+              <a:rPr lang="es-CO" sz="1100">
+                <a:solidFill>
+                  <a:schemeClr val="accent2">
+                    <a:lumMod val="50000"/>
+                  </a:schemeClr>
+                </a:solidFill>
+                <a:latin typeface="Century Gothic" panose="020B0502020202020204" pitchFamily="34" charset="0"/>
+                <a:sym typeface="Gill Sans Light"/>
+              </a:rPr>
+              <a:t> Análisis de Decisiones de Inversión</a:t>
+            </a:r>
+            <a:endParaRPr lang="es-CO" sz="1100">
+              <a:solidFill>
+                <a:schemeClr val="accent2">
+                  <a:lumMod val="50000"/>
+                </a:schemeClr>
+              </a:solidFill>
+              <a:latin typeface="Century Gothic" panose="020B0502020202020204" pitchFamily="34" charset="0"/>
+            </a:endParaRPr>
+          </a:p>
+        </p:txBody>
+      </p:sp>
       <p:pic>
         <p:nvPicPr>
-          <p:cNvPr id="14" name="Imagen 13">
+          <p:cNvPr id="6" name="Picture 5">
             <a:extLst>
               <a:ext uri="{FF2B5EF4-FFF2-40B4-BE49-F238E27FC236}">
-                <a16:creationId xmlns:a16="http://schemas.microsoft.com/office/drawing/2014/main" id="{D6B6DC96-C34F-1D37-DCF2-905DDD4DA615}"/>
+                <a16:creationId xmlns:a16="http://schemas.microsoft.com/office/drawing/2014/main" id="{80D43D6F-6C50-4686-32E0-E0B95F132155}"/>
               </a:ext>
             </a:extLst>
           </p:cNvPr>
@@ -10791,122 +11030,12 @@
         </p:blipFill>
         <p:spPr>
           <a:xfrm>
-            <a:off x="1045026" y="1844276"/>
-            <a:ext cx="8013357" cy="4783545"/>
+            <a:off x="1560318" y="1906765"/>
+            <a:ext cx="9989717" cy="4951235"/>
           </a:xfrm>
           <a:prstGeom prst="rect">
             <a:avLst/>
           </a:prstGeom>
-        </p:spPr>
-      </p:pic>
-      <p:sp>
-        <p:nvSpPr>
-          <p:cNvPr id="3" name="Rectángulo 2">
-            <a:extLst>
-              <a:ext uri="{FF2B5EF4-FFF2-40B4-BE49-F238E27FC236}">
-                <a16:creationId xmlns:a16="http://schemas.microsoft.com/office/drawing/2014/main" id="{1091580A-6AF1-26BC-CBE1-8BBFE7CBDA77}"/>
-              </a:ext>
-            </a:extLst>
-          </p:cNvPr>
-          <p:cNvSpPr/>
-          <p:nvPr/>
-        </p:nvSpPr>
-        <p:spPr>
-          <a:xfrm>
-            <a:off x="8399257" y="118110"/>
-            <a:ext cx="3150778" cy="261610"/>
-          </a:xfrm>
-          <a:prstGeom prst="rect">
-            <a:avLst/>
-          </a:prstGeom>
-        </p:spPr>
-        <p:txBody>
-          <a:bodyPr wrap="square">
-            <a:spAutoFit/>
-          </a:bodyPr>
-          <a:lstStyle/>
-          <a:p>
-            <a:pPr algn="r"/>
-            <a:r>
-              <a:rPr lang="es-CO" sz="1100" b="1">
-                <a:solidFill>
-                  <a:schemeClr val="accent2">
-                    <a:lumMod val="50000"/>
-                  </a:schemeClr>
-                </a:solidFill>
-                <a:latin typeface="Century Gothic" panose="020B0502020202020204" pitchFamily="34" charset="0"/>
-                <a:sym typeface="Gill Sans Light"/>
-              </a:rPr>
-              <a:t>Curso</a:t>
-            </a:r>
-            <a:r>
-              <a:rPr lang="es-CO" sz="1100">
-                <a:solidFill>
-                  <a:schemeClr val="accent2">
-                    <a:lumMod val="50000"/>
-                  </a:schemeClr>
-                </a:solidFill>
-                <a:latin typeface="Century Gothic" panose="020B0502020202020204" pitchFamily="34" charset="0"/>
-                <a:sym typeface="Gill Sans Light"/>
-              </a:rPr>
-              <a:t> Análisis de Decisiones de Inversión</a:t>
-            </a:r>
-            <a:endParaRPr lang="es-CO" sz="1100">
-              <a:solidFill>
-                <a:schemeClr val="accent2">
-                  <a:lumMod val="50000"/>
-                </a:schemeClr>
-              </a:solidFill>
-              <a:latin typeface="Century Gothic" panose="020B0502020202020204" pitchFamily="34" charset="0"/>
-            </a:endParaRPr>
-          </a:p>
-        </p:txBody>
-      </p:sp>
-      <p:pic>
-        <p:nvPicPr>
-          <p:cNvPr id="13314" name="Picture 2" descr="Imágenes de Resolucion Problemas - Descarga gratuita en Freepik">
-            <a:extLst>
-              <a:ext uri="{FF2B5EF4-FFF2-40B4-BE49-F238E27FC236}">
-                <a16:creationId xmlns:a16="http://schemas.microsoft.com/office/drawing/2014/main" id="{7EEFDCFB-0FF9-1D1A-5003-4B3206C00760}"/>
-              </a:ext>
-            </a:extLst>
-          </p:cNvPr>
-          <p:cNvPicPr>
-            <a:picLocks noChangeAspect="1" noChangeArrowheads="1"/>
-          </p:cNvPicPr>
-          <p:nvPr/>
-        </p:nvPicPr>
-        <p:blipFill>
-          <a:blip r:embed="rId6">
-            <a:extLst>
-              <a:ext uri="{28A0092B-C50C-407E-A947-70E740481C1C}">
-                <a14:useLocalDpi xmlns:a14="http://schemas.microsoft.com/office/drawing/2010/main" val="0"/>
-              </a:ext>
-            </a:extLst>
-          </a:blip>
-          <a:srcRect/>
-          <a:stretch>
-            <a:fillRect/>
-          </a:stretch>
-        </p:blipFill>
-        <p:spPr bwMode="auto">
-          <a:xfrm>
-            <a:off x="9309653" y="3429000"/>
-            <a:ext cx="2235775" cy="1580149"/>
-          </a:xfrm>
-          <a:prstGeom prst="rect">
-            <a:avLst/>
-          </a:prstGeom>
-          <a:noFill/>
-          <a:extLst>
-            <a:ext uri="{909E8E84-426E-40DD-AFC4-6F175D3DCCD1}">
-              <a14:hiddenFill xmlns:a14="http://schemas.microsoft.com/office/drawing/2010/main">
-                <a:solidFill>
-                  <a:srgbClr val="FFFFFF"/>
-                </a:solidFill>
-              </a14:hiddenFill>
-            </a:ext>
-          </a:extLst>
         </p:spPr>
       </p:pic>
     </p:spTree>
@@ -11900,12 +12029,75 @@
           </a:extLst>
         </p:spPr>
       </p:pic>
+      <p:sp>
+        <p:nvSpPr>
+          <p:cNvPr id="3" name="Rectángulo 2">
+            <a:extLst>
+              <a:ext uri="{FF2B5EF4-FFF2-40B4-BE49-F238E27FC236}">
+                <a16:creationId xmlns:a16="http://schemas.microsoft.com/office/drawing/2014/main" id="{FC9BFF1C-8D6D-9DB3-9B84-51AA433ABBEC}"/>
+              </a:ext>
+            </a:extLst>
+          </p:cNvPr>
+          <p:cNvSpPr/>
+          <p:nvPr/>
+        </p:nvSpPr>
+        <p:spPr>
+          <a:xfrm>
+            <a:off x="8399257" y="118110"/>
+            <a:ext cx="3150778" cy="261610"/>
+          </a:xfrm>
+          <a:prstGeom prst="rect">
+            <a:avLst/>
+          </a:prstGeom>
+        </p:spPr>
+        <p:txBody>
+          <a:bodyPr wrap="square">
+            <a:spAutoFit/>
+          </a:bodyPr>
+          <a:lstStyle/>
+          <a:p>
+            <a:pPr algn="r"/>
+            <a:r>
+              <a:rPr lang="es-CO" sz="1100" b="1">
+                <a:solidFill>
+                  <a:schemeClr val="accent2">
+                    <a:lumMod val="50000"/>
+                  </a:schemeClr>
+                </a:solidFill>
+                <a:latin typeface="Century Gothic" panose="020B0502020202020204" pitchFamily="34" charset="0"/>
+                <a:sym typeface="Gill Sans Light"/>
+              </a:rPr>
+              <a:t>Curso</a:t>
+            </a:r>
+            <a:r>
+              <a:rPr lang="es-CO" sz="1100">
+                <a:solidFill>
+                  <a:schemeClr val="accent2">
+                    <a:lumMod val="50000"/>
+                  </a:schemeClr>
+                </a:solidFill>
+                <a:latin typeface="Century Gothic" panose="020B0502020202020204" pitchFamily="34" charset="0"/>
+                <a:sym typeface="Gill Sans Light"/>
+              </a:rPr>
+              <a:t> Análisis de Decisiones de Inversión</a:t>
+            </a:r>
+            <a:endParaRPr lang="es-CO" sz="1100">
+              <a:solidFill>
+                <a:schemeClr val="accent2">
+                  <a:lumMod val="50000"/>
+                </a:schemeClr>
+              </a:solidFill>
+              <a:latin typeface="Century Gothic" panose="020B0502020202020204" pitchFamily="34" charset="0"/>
+            </a:endParaRPr>
+          </a:p>
+        </p:txBody>
+      </p:sp>
       <p:pic>
         <p:nvPicPr>
-          <p:cNvPr id="7" name="Imagen 6">
+          <p:cNvPr id="6" name="Picture 5">
             <a:extLst>
               <a:ext uri="{FF2B5EF4-FFF2-40B4-BE49-F238E27FC236}">
-                <a16:creationId xmlns:a16="http://schemas.microsoft.com/office/drawing/2014/main" id="{B3CFF034-4BCF-F732-3354-AA701DC98F11}"/>
+                <a16:creationId xmlns:a16="http://schemas.microsoft.com/office/drawing/2014/main" id="{A4EAC937-92D6-9BC4-8C82-053FAA0551F7}"/>
               </a:ext>
             </a:extLst>
           </p:cNvPr>
@@ -11922,122 +12114,12 @@
         </p:blipFill>
         <p:spPr>
           <a:xfrm>
-            <a:off x="996618" y="1962360"/>
-            <a:ext cx="7772400" cy="4777530"/>
+            <a:off x="2051956" y="1855350"/>
+            <a:ext cx="7777843" cy="5002650"/>
           </a:xfrm>
           <a:prstGeom prst="rect">
             <a:avLst/>
           </a:prstGeom>
-        </p:spPr>
-      </p:pic>
-      <p:sp>
-        <p:nvSpPr>
-          <p:cNvPr id="3" name="Rectángulo 2">
-            <a:extLst>
-              <a:ext uri="{FF2B5EF4-FFF2-40B4-BE49-F238E27FC236}">
-                <a16:creationId xmlns:a16="http://schemas.microsoft.com/office/drawing/2014/main" id="{FC9BFF1C-8D6D-9DB3-9B84-51AA433ABBEC}"/>
-              </a:ext>
-            </a:extLst>
-          </p:cNvPr>
-          <p:cNvSpPr/>
-          <p:nvPr/>
-        </p:nvSpPr>
-        <p:spPr>
-          <a:xfrm>
-            <a:off x="8399257" y="118110"/>
-            <a:ext cx="3150778" cy="261610"/>
-          </a:xfrm>
-          <a:prstGeom prst="rect">
-            <a:avLst/>
-          </a:prstGeom>
-        </p:spPr>
-        <p:txBody>
-          <a:bodyPr wrap="square">
-            <a:spAutoFit/>
-          </a:bodyPr>
-          <a:lstStyle/>
-          <a:p>
-            <a:pPr algn="r"/>
-            <a:r>
-              <a:rPr lang="es-CO" sz="1100" b="1">
-                <a:solidFill>
-                  <a:schemeClr val="accent2">
-                    <a:lumMod val="50000"/>
-                  </a:schemeClr>
-                </a:solidFill>
-                <a:latin typeface="Century Gothic" panose="020B0502020202020204" pitchFamily="34" charset="0"/>
-                <a:sym typeface="Gill Sans Light"/>
-              </a:rPr>
-              <a:t>Curso</a:t>
-            </a:r>
-            <a:r>
-              <a:rPr lang="es-CO" sz="1100">
-                <a:solidFill>
-                  <a:schemeClr val="accent2">
-                    <a:lumMod val="50000"/>
-                  </a:schemeClr>
-                </a:solidFill>
-                <a:latin typeface="Century Gothic" panose="020B0502020202020204" pitchFamily="34" charset="0"/>
-                <a:sym typeface="Gill Sans Light"/>
-              </a:rPr>
-              <a:t> Análisis de Decisiones de Inversión</a:t>
-            </a:r>
-            <a:endParaRPr lang="es-CO" sz="1100">
-              <a:solidFill>
-                <a:schemeClr val="accent2">
-                  <a:lumMod val="50000"/>
-                </a:schemeClr>
-              </a:solidFill>
-              <a:latin typeface="Century Gothic" panose="020B0502020202020204" pitchFamily="34" charset="0"/>
-            </a:endParaRPr>
-          </a:p>
-        </p:txBody>
-      </p:sp>
-      <p:pic>
-        <p:nvPicPr>
-          <p:cNvPr id="14338" name="Picture 2" descr="Tendencias ineficaces a la hora de resolver problemas">
-            <a:extLst>
-              <a:ext uri="{FF2B5EF4-FFF2-40B4-BE49-F238E27FC236}">
-                <a16:creationId xmlns:a16="http://schemas.microsoft.com/office/drawing/2014/main" id="{C8633A87-1E80-2602-9367-810C1CA853E0}"/>
-              </a:ext>
-            </a:extLst>
-          </p:cNvPr>
-          <p:cNvPicPr>
-            <a:picLocks noChangeAspect="1" noChangeArrowheads="1"/>
-          </p:cNvPicPr>
-          <p:nvPr/>
-        </p:nvPicPr>
-        <p:blipFill>
-          <a:blip r:embed="rId5">
-            <a:extLst>
-              <a:ext uri="{28A0092B-C50C-407E-A947-70E740481C1C}">
-                <a14:useLocalDpi xmlns:a14="http://schemas.microsoft.com/office/drawing/2010/main" val="0"/>
-              </a:ext>
-            </a:extLst>
-          </a:blip>
-          <a:srcRect/>
-          <a:stretch>
-            <a:fillRect/>
-          </a:stretch>
-        </p:blipFill>
-        <p:spPr bwMode="auto">
-          <a:xfrm>
-            <a:off x="9016616" y="3429000"/>
-            <a:ext cx="2594192" cy="1573901"/>
-          </a:xfrm>
-          <a:prstGeom prst="rect">
-            <a:avLst/>
-          </a:prstGeom>
-          <a:noFill/>
-          <a:extLst>
-            <a:ext uri="{909E8E84-426E-40DD-AFC4-6F175D3DCCD1}">
-              <a14:hiddenFill xmlns:a14="http://schemas.microsoft.com/office/drawing/2010/main">
-                <a:solidFill>
-                  <a:srgbClr val="FFFFFF"/>
-                </a:solidFill>
-              </a14:hiddenFill>
-            </a:ext>
-          </a:extLst>
         </p:spPr>
       </p:pic>
     </p:spTree>
@@ -13683,12 +13765,75 @@
           </a:extLst>
         </p:spPr>
       </p:pic>
+      <p:sp>
+        <p:nvSpPr>
+          <p:cNvPr id="7" name="Rectángulo 6">
+            <a:extLst>
+              <a:ext uri="{FF2B5EF4-FFF2-40B4-BE49-F238E27FC236}">
+                <a16:creationId xmlns:a16="http://schemas.microsoft.com/office/drawing/2014/main" id="{DB169610-50DE-45ED-09EF-D50216217759}"/>
+              </a:ext>
+            </a:extLst>
+          </p:cNvPr>
+          <p:cNvSpPr/>
+          <p:nvPr/>
+        </p:nvSpPr>
+        <p:spPr>
+          <a:xfrm>
+            <a:off x="8399257" y="118110"/>
+            <a:ext cx="3150778" cy="261610"/>
+          </a:xfrm>
+          <a:prstGeom prst="rect">
+            <a:avLst/>
+          </a:prstGeom>
+        </p:spPr>
+        <p:txBody>
+          <a:bodyPr wrap="square">
+            <a:spAutoFit/>
+          </a:bodyPr>
+          <a:lstStyle/>
+          <a:p>
+            <a:pPr algn="r"/>
+            <a:r>
+              <a:rPr lang="es-CO" sz="1100" b="1">
+                <a:solidFill>
+                  <a:schemeClr val="accent2">
+                    <a:lumMod val="50000"/>
+                  </a:schemeClr>
+                </a:solidFill>
+                <a:latin typeface="Century Gothic" panose="020B0502020202020204" pitchFamily="34" charset="0"/>
+                <a:sym typeface="Gill Sans Light"/>
+              </a:rPr>
+              <a:t>Curso</a:t>
+            </a:r>
+            <a:r>
+              <a:rPr lang="es-CO" sz="1100">
+                <a:solidFill>
+                  <a:schemeClr val="accent2">
+                    <a:lumMod val="50000"/>
+                  </a:schemeClr>
+                </a:solidFill>
+                <a:latin typeface="Century Gothic" panose="020B0502020202020204" pitchFamily="34" charset="0"/>
+                <a:sym typeface="Gill Sans Light"/>
+              </a:rPr>
+              <a:t> Análisis de Decisiones de Inversión</a:t>
+            </a:r>
+            <a:endParaRPr lang="es-CO" sz="1100">
+              <a:solidFill>
+                <a:schemeClr val="accent2">
+                  <a:lumMod val="50000"/>
+                </a:schemeClr>
+              </a:solidFill>
+              <a:latin typeface="Century Gothic" panose="020B0502020202020204" pitchFamily="34" charset="0"/>
+            </a:endParaRPr>
+          </a:p>
+        </p:txBody>
+      </p:sp>
       <p:pic>
         <p:nvPicPr>
-          <p:cNvPr id="10" name="Imagen 9">
+          <p:cNvPr id="3" name="Picture 2">
             <a:extLst>
               <a:ext uri="{FF2B5EF4-FFF2-40B4-BE49-F238E27FC236}">
-                <a16:creationId xmlns:a16="http://schemas.microsoft.com/office/drawing/2014/main" id="{A09F5143-ABB7-AB0F-A272-C16B7F947B8D}"/>
+                <a16:creationId xmlns:a16="http://schemas.microsoft.com/office/drawing/2014/main" id="{288901B6-4335-4AE8-E794-9A69935E02B6}"/>
               </a:ext>
             </a:extLst>
           </p:cNvPr>
@@ -13705,122 +13850,12 @@
         </p:blipFill>
         <p:spPr>
           <a:xfrm>
-            <a:off x="1415434" y="1922248"/>
-            <a:ext cx="7020554" cy="4777877"/>
+            <a:off x="1108528" y="1865991"/>
+            <a:ext cx="9319986" cy="4792505"/>
           </a:xfrm>
           <a:prstGeom prst="rect">
             <a:avLst/>
           </a:prstGeom>
-        </p:spPr>
-      </p:pic>
-      <p:sp>
-        <p:nvSpPr>
-          <p:cNvPr id="7" name="Rectángulo 6">
-            <a:extLst>
-              <a:ext uri="{FF2B5EF4-FFF2-40B4-BE49-F238E27FC236}">
-                <a16:creationId xmlns:a16="http://schemas.microsoft.com/office/drawing/2014/main" id="{DB169610-50DE-45ED-09EF-D50216217759}"/>
-              </a:ext>
-            </a:extLst>
-          </p:cNvPr>
-          <p:cNvSpPr/>
-          <p:nvPr/>
-        </p:nvSpPr>
-        <p:spPr>
-          <a:xfrm>
-            <a:off x="8399257" y="118110"/>
-            <a:ext cx="3150778" cy="261610"/>
-          </a:xfrm>
-          <a:prstGeom prst="rect">
-            <a:avLst/>
-          </a:prstGeom>
-        </p:spPr>
-        <p:txBody>
-          <a:bodyPr wrap="square">
-            <a:spAutoFit/>
-          </a:bodyPr>
-          <a:lstStyle/>
-          <a:p>
-            <a:pPr algn="r"/>
-            <a:r>
-              <a:rPr lang="es-CO" sz="1100" b="1">
-                <a:solidFill>
-                  <a:schemeClr val="accent2">
-                    <a:lumMod val="50000"/>
-                  </a:schemeClr>
-                </a:solidFill>
-                <a:latin typeface="Century Gothic" panose="020B0502020202020204" pitchFamily="34" charset="0"/>
-                <a:sym typeface="Gill Sans Light"/>
-              </a:rPr>
-              <a:t>Curso</a:t>
-            </a:r>
-            <a:r>
-              <a:rPr lang="es-CO" sz="1100">
-                <a:solidFill>
-                  <a:schemeClr val="accent2">
-                    <a:lumMod val="50000"/>
-                  </a:schemeClr>
-                </a:solidFill>
-                <a:latin typeface="Century Gothic" panose="020B0502020202020204" pitchFamily="34" charset="0"/>
-                <a:sym typeface="Gill Sans Light"/>
-              </a:rPr>
-              <a:t> Análisis de Decisiones de Inversión</a:t>
-            </a:r>
-            <a:endParaRPr lang="es-CO" sz="1100">
-              <a:solidFill>
-                <a:schemeClr val="accent2">
-                  <a:lumMod val="50000"/>
-                </a:schemeClr>
-              </a:solidFill>
-              <a:latin typeface="Century Gothic" panose="020B0502020202020204" pitchFamily="34" charset="0"/>
-            </a:endParaRPr>
-          </a:p>
-        </p:txBody>
-      </p:sp>
-      <p:pic>
-        <p:nvPicPr>
-          <p:cNvPr id="15362" name="Picture 2" descr="Aprender a resolver problemas | PressCoaching">
-            <a:extLst>
-              <a:ext uri="{FF2B5EF4-FFF2-40B4-BE49-F238E27FC236}">
-                <a16:creationId xmlns:a16="http://schemas.microsoft.com/office/drawing/2014/main" id="{311F784E-0A82-EEBA-69A2-92CAF2CA8FD9}"/>
-              </a:ext>
-            </a:extLst>
-          </p:cNvPr>
-          <p:cNvPicPr>
-            <a:picLocks noChangeAspect="1" noChangeArrowheads="1"/>
-          </p:cNvPicPr>
-          <p:nvPr/>
-        </p:nvPicPr>
-        <p:blipFill>
-          <a:blip r:embed="rId5">
-            <a:extLst>
-              <a:ext uri="{28A0092B-C50C-407E-A947-70E740481C1C}">
-                <a14:useLocalDpi xmlns:a14="http://schemas.microsoft.com/office/drawing/2010/main" val="0"/>
-              </a:ext>
-            </a:extLst>
-          </a:blip>
-          <a:srcRect/>
-          <a:stretch>
-            <a:fillRect/>
-          </a:stretch>
-        </p:blipFill>
-        <p:spPr bwMode="auto">
-          <a:xfrm>
-            <a:off x="8519631" y="3106456"/>
-            <a:ext cx="3207142" cy="1803748"/>
-          </a:xfrm>
-          <a:prstGeom prst="rect">
-            <a:avLst/>
-          </a:prstGeom>
-          <a:noFill/>
-          <a:extLst>
-            <a:ext uri="{909E8E84-426E-40DD-AFC4-6F175D3DCCD1}">
-              <a14:hiddenFill xmlns:a14="http://schemas.microsoft.com/office/drawing/2010/main">
-                <a:solidFill>
-                  <a:srgbClr val="FFFFFF"/>
-                </a:solidFill>
-              </a14:hiddenFill>
-            </a:ext>
-          </a:extLst>
         </p:spPr>
       </p:pic>
     </p:spTree>
@@ -14809,12 +14844,75 @@
           </a:extLst>
         </p:spPr>
       </p:pic>
+      <p:sp>
+        <p:nvSpPr>
+          <p:cNvPr id="3" name="Rectángulo 2">
+            <a:extLst>
+              <a:ext uri="{FF2B5EF4-FFF2-40B4-BE49-F238E27FC236}">
+                <a16:creationId xmlns:a16="http://schemas.microsoft.com/office/drawing/2014/main" id="{7F4749DC-3DCE-16C8-BF13-74B92A37C6B0}"/>
+              </a:ext>
+            </a:extLst>
+          </p:cNvPr>
+          <p:cNvSpPr/>
+          <p:nvPr/>
+        </p:nvSpPr>
+        <p:spPr>
+          <a:xfrm>
+            <a:off x="8399257" y="118110"/>
+            <a:ext cx="3150778" cy="261610"/>
+          </a:xfrm>
+          <a:prstGeom prst="rect">
+            <a:avLst/>
+          </a:prstGeom>
+        </p:spPr>
+        <p:txBody>
+          <a:bodyPr wrap="square">
+            <a:spAutoFit/>
+          </a:bodyPr>
+          <a:lstStyle/>
+          <a:p>
+            <a:pPr algn="r"/>
+            <a:r>
+              <a:rPr lang="es-CO" sz="1100" b="1">
+                <a:solidFill>
+                  <a:schemeClr val="accent2">
+                    <a:lumMod val="50000"/>
+                  </a:schemeClr>
+                </a:solidFill>
+                <a:latin typeface="Century Gothic" panose="020B0502020202020204" pitchFamily="34" charset="0"/>
+                <a:sym typeface="Gill Sans Light"/>
+              </a:rPr>
+              <a:t>Curso</a:t>
+            </a:r>
+            <a:r>
+              <a:rPr lang="es-CO" sz="1100">
+                <a:solidFill>
+                  <a:schemeClr val="accent2">
+                    <a:lumMod val="50000"/>
+                  </a:schemeClr>
+                </a:solidFill>
+                <a:latin typeface="Century Gothic" panose="020B0502020202020204" pitchFamily="34" charset="0"/>
+                <a:sym typeface="Gill Sans Light"/>
+              </a:rPr>
+              <a:t> Análisis de Decisiones de Inversión</a:t>
+            </a:r>
+            <a:endParaRPr lang="es-CO" sz="1100">
+              <a:solidFill>
+                <a:schemeClr val="accent2">
+                  <a:lumMod val="50000"/>
+                </a:schemeClr>
+              </a:solidFill>
+              <a:latin typeface="Century Gothic" panose="020B0502020202020204" pitchFamily="34" charset="0"/>
+            </a:endParaRPr>
+          </a:p>
+        </p:txBody>
+      </p:sp>
       <p:pic>
         <p:nvPicPr>
-          <p:cNvPr id="11" name="Imagen 10">
+          <p:cNvPr id="6" name="Picture 5">
             <a:extLst>
               <a:ext uri="{FF2B5EF4-FFF2-40B4-BE49-F238E27FC236}">
-                <a16:creationId xmlns:a16="http://schemas.microsoft.com/office/drawing/2014/main" id="{B26D30F7-519E-FF11-B346-75285E190BD0}"/>
+                <a16:creationId xmlns:a16="http://schemas.microsoft.com/office/drawing/2014/main" id="{ADABC0B7-7FB6-2A5D-C2FE-70509E5E8118}"/>
               </a:ext>
             </a:extLst>
           </p:cNvPr>
@@ -14831,122 +14929,12 @@
         </p:blipFill>
         <p:spPr>
           <a:xfrm>
-            <a:off x="1289264" y="1904660"/>
-            <a:ext cx="7200531" cy="4640342"/>
+            <a:off x="1815614" y="2038392"/>
+            <a:ext cx="8560772" cy="4340673"/>
           </a:xfrm>
           <a:prstGeom prst="rect">
             <a:avLst/>
           </a:prstGeom>
-        </p:spPr>
-      </p:pic>
-      <p:sp>
-        <p:nvSpPr>
-          <p:cNvPr id="3" name="Rectángulo 2">
-            <a:extLst>
-              <a:ext uri="{FF2B5EF4-FFF2-40B4-BE49-F238E27FC236}">
-                <a16:creationId xmlns:a16="http://schemas.microsoft.com/office/drawing/2014/main" id="{7F4749DC-3DCE-16C8-BF13-74B92A37C6B0}"/>
-              </a:ext>
-            </a:extLst>
-          </p:cNvPr>
-          <p:cNvSpPr/>
-          <p:nvPr/>
-        </p:nvSpPr>
-        <p:spPr>
-          <a:xfrm>
-            <a:off x="8399257" y="118110"/>
-            <a:ext cx="3150778" cy="261610"/>
-          </a:xfrm>
-          <a:prstGeom prst="rect">
-            <a:avLst/>
-          </a:prstGeom>
-        </p:spPr>
-        <p:txBody>
-          <a:bodyPr wrap="square">
-            <a:spAutoFit/>
-          </a:bodyPr>
-          <a:lstStyle/>
-          <a:p>
-            <a:pPr algn="r"/>
-            <a:r>
-              <a:rPr lang="es-CO" sz="1100" b="1">
-                <a:solidFill>
-                  <a:schemeClr val="accent2">
-                    <a:lumMod val="50000"/>
-                  </a:schemeClr>
-                </a:solidFill>
-                <a:latin typeface="Century Gothic" panose="020B0502020202020204" pitchFamily="34" charset="0"/>
-                <a:sym typeface="Gill Sans Light"/>
-              </a:rPr>
-              <a:t>Curso</a:t>
-            </a:r>
-            <a:r>
-              <a:rPr lang="es-CO" sz="1100">
-                <a:solidFill>
-                  <a:schemeClr val="accent2">
-                    <a:lumMod val="50000"/>
-                  </a:schemeClr>
-                </a:solidFill>
-                <a:latin typeface="Century Gothic" panose="020B0502020202020204" pitchFamily="34" charset="0"/>
-                <a:sym typeface="Gill Sans Light"/>
-              </a:rPr>
-              <a:t> Análisis de Decisiones de Inversión</a:t>
-            </a:r>
-            <a:endParaRPr lang="es-CO" sz="1100">
-              <a:solidFill>
-                <a:schemeClr val="accent2">
-                  <a:lumMod val="50000"/>
-                </a:schemeClr>
-              </a:solidFill>
-              <a:latin typeface="Century Gothic" panose="020B0502020202020204" pitchFamily="34" charset="0"/>
-            </a:endParaRPr>
-          </a:p>
-        </p:txBody>
-      </p:sp>
-      <p:pic>
-        <p:nvPicPr>
-          <p:cNvPr id="16386" name="Picture 2" descr="Resolución de problemas. 10 consejos para evitar antes de encontrar una  solución - Cepymenews">
-            <a:extLst>
-              <a:ext uri="{FF2B5EF4-FFF2-40B4-BE49-F238E27FC236}">
-                <a16:creationId xmlns:a16="http://schemas.microsoft.com/office/drawing/2014/main" id="{0929A0FB-5699-52BD-2786-E2DAD3C76023}"/>
-              </a:ext>
-            </a:extLst>
-          </p:cNvPr>
-          <p:cNvPicPr>
-            <a:picLocks noChangeAspect="1" noChangeArrowheads="1"/>
-          </p:cNvPicPr>
-          <p:nvPr/>
-        </p:nvPicPr>
-        <p:blipFill>
-          <a:blip r:embed="rId5">
-            <a:extLst>
-              <a:ext uri="{28A0092B-C50C-407E-A947-70E740481C1C}">
-                <a14:useLocalDpi xmlns:a14="http://schemas.microsoft.com/office/drawing/2010/main" val="0"/>
-              </a:ext>
-            </a:extLst>
-          </a:blip>
-          <a:srcRect/>
-          <a:stretch>
-            <a:fillRect/>
-          </a:stretch>
-        </p:blipFill>
-        <p:spPr bwMode="auto">
-          <a:xfrm>
-            <a:off x="8723053" y="3429000"/>
-            <a:ext cx="2887755" cy="1535944"/>
-          </a:xfrm>
-          <a:prstGeom prst="rect">
-            <a:avLst/>
-          </a:prstGeom>
-          <a:noFill/>
-          <a:extLst>
-            <a:ext uri="{909E8E84-426E-40DD-AFC4-6F175D3DCCD1}">
-              <a14:hiddenFill xmlns:a14="http://schemas.microsoft.com/office/drawing/2010/main">
-                <a:solidFill>
-                  <a:srgbClr val="FFFFFF"/>
-                </a:solidFill>
-              </a14:hiddenFill>
-            </a:ext>
-          </a:extLst>
         </p:spPr>
       </p:pic>
     </p:spTree>
